--- a/documentation/353FinalPresentation.pptx
+++ b/documentation/353FinalPresentation.pptx
@@ -14,9 +14,8 @@
     <p:sldId id="267" r:id="rId8"/>
     <p:sldId id="264" r:id="rId9"/>
     <p:sldId id="265" r:id="rId10"/>
-    <p:sldId id="266" r:id="rId11"/>
-    <p:sldId id="262" r:id="rId12"/>
-    <p:sldId id="263" r:id="rId13"/>
+    <p:sldId id="262" r:id="rId11"/>
+    <p:sldId id="263" r:id="rId12"/>
   </p:sldIdLst>
   <p:sldSz cx="12192000" cy="6858000"/>
   <p:notesSz cx="6858000" cy="9144000"/>
@@ -12534,102 +12533,6 @@
           <p:cNvPr id="2" name="Title 1">
             <a:extLst>
               <a:ext uri="{FF2B5EF4-FFF2-40B4-BE49-F238E27FC236}">
-                <a16:creationId xmlns:a16="http://schemas.microsoft.com/office/drawing/2014/main" id="{1D8D8A4B-24D8-4127-84D4-ED3E05BE2962}"/>
-              </a:ext>
-            </a:extLst>
-          </p:cNvPr>
-          <p:cNvSpPr>
-            <a:spLocks noGrp="1"/>
-          </p:cNvSpPr>
-          <p:nvPr>
-            <p:ph type="title"/>
-          </p:nvPr>
-        </p:nvSpPr>
-        <p:spPr>
-          <a:xfrm>
-            <a:off x="1141413" y="618518"/>
-            <a:ext cx="9905998" cy="583749"/>
-          </a:xfrm>
-        </p:spPr>
-        <p:txBody>
-          <a:bodyPr>
-            <a:normAutofit fontScale="90000"/>
-          </a:bodyPr>
-          <a:lstStyle/>
-          <a:p>
-            <a:pPr algn="ctr"/>
-            <a:r>
-              <a:rPr lang="en-US" dirty="0"/>
-              <a:t>Deletion</a:t>
-            </a:r>
-          </a:p>
-        </p:txBody>
-      </p:sp>
-      <p:sp>
-        <p:nvSpPr>
-          <p:cNvPr id="3" name="Content Placeholder 2">
-            <a:extLst>
-              <a:ext uri="{FF2B5EF4-FFF2-40B4-BE49-F238E27FC236}">
-                <a16:creationId xmlns:a16="http://schemas.microsoft.com/office/drawing/2014/main" id="{553AE0CB-9ACD-491C-973A-6C919F6516D3}"/>
-              </a:ext>
-            </a:extLst>
-          </p:cNvPr>
-          <p:cNvSpPr>
-            <a:spLocks noGrp="1"/>
-          </p:cNvSpPr>
-          <p:nvPr>
-            <p:ph idx="1"/>
-          </p:nvPr>
-        </p:nvSpPr>
-        <p:spPr>
-          <a:xfrm>
-            <a:off x="1037961" y="1202267"/>
-            <a:ext cx="10116078" cy="4834466"/>
-          </a:xfrm>
-        </p:spPr>
-        <p:txBody>
-          <a:bodyPr/>
-          <a:lstStyle/>
-          <a:p>
-            <a:endParaRPr lang="en-US" dirty="0"/>
-          </a:p>
-        </p:txBody>
-      </p:sp>
-    </p:spTree>
-    <p:extLst>
-      <p:ext uri="{BB962C8B-B14F-4D97-AF65-F5344CB8AC3E}">
-        <p14:creationId xmlns:p14="http://schemas.microsoft.com/office/powerpoint/2010/main" val="154174283"/>
-      </p:ext>
-    </p:extLst>
-  </p:cSld>
-  <p:clrMapOvr>
-    <a:masterClrMapping/>
-  </p:clrMapOvr>
-</p:sld>
-</file>
-
-<file path=ppt/slides/slide11.xml><?xml version="1.0" encoding="utf-8"?>
-<p:sld xmlns:a="http://schemas.openxmlformats.org/drawingml/2006/main" xmlns:r="http://schemas.openxmlformats.org/officeDocument/2006/relationships" xmlns:p="http://schemas.openxmlformats.org/presentationml/2006/main">
-  <p:cSld>
-    <p:spTree>
-      <p:nvGrpSpPr>
-        <p:cNvPr id="1" name=""/>
-        <p:cNvGrpSpPr/>
-        <p:nvPr/>
-      </p:nvGrpSpPr>
-      <p:grpSpPr>
-        <a:xfrm>
-          <a:off x="0" y="0"/>
-          <a:ext cx="0" cy="0"/>
-          <a:chOff x="0" y="0"/>
-          <a:chExt cx="0" cy="0"/>
-        </a:xfrm>
-      </p:grpSpPr>
-      <p:sp>
-        <p:nvSpPr>
-          <p:cNvPr id="2" name="Title 1">
-            <a:extLst>
-              <a:ext uri="{FF2B5EF4-FFF2-40B4-BE49-F238E27FC236}">
                 <a16:creationId xmlns:a16="http://schemas.microsoft.com/office/drawing/2014/main" id="{20DB9C4E-62C5-6D4A-BE45-198089A4F2C2}"/>
               </a:ext>
             </a:extLst>
@@ -12742,7 +12645,7 @@
 </p:sld>
 </file>
 
-<file path=ppt/slides/slide12.xml><?xml version="1.0" encoding="utf-8"?>
+<file path=ppt/slides/slide11.xml><?xml version="1.0" encoding="utf-8"?>
 <p:sld xmlns:a="http://schemas.openxmlformats.org/drawingml/2006/main" xmlns:r="http://schemas.openxmlformats.org/officeDocument/2006/relationships" xmlns:p="http://schemas.openxmlformats.org/presentationml/2006/main">
   <p:cSld>
     <p:spTree>
@@ -13149,6 +13052,64 @@
           </a:p>
         </p:txBody>
       </p:sp>
+      <p:pic>
+        <p:nvPicPr>
+          <p:cNvPr id="4" name="Picture 3">
+            <a:extLst>
+              <a:ext uri="{FF2B5EF4-FFF2-40B4-BE49-F238E27FC236}">
+                <a16:creationId xmlns:a16="http://schemas.microsoft.com/office/drawing/2014/main" id="{540BD295-317E-4DED-94CB-07A0D557A449}"/>
+              </a:ext>
+            </a:extLst>
+          </p:cNvPr>
+          <p:cNvPicPr>
+            <a:picLocks noChangeAspect="1"/>
+          </p:cNvPicPr>
+          <p:nvPr/>
+        </p:nvPicPr>
+        <p:blipFill rotWithShape="1">
+          <a:blip r:embed="rId2"/>
+          <a:srcRect t="6980"/>
+          <a:stretch/>
+        </p:blipFill>
+        <p:spPr>
+          <a:xfrm>
+            <a:off x="6699738" y="1006630"/>
+            <a:ext cx="5398673" cy="2333316"/>
+          </a:xfrm>
+          <a:prstGeom prst="rect">
+            <a:avLst/>
+          </a:prstGeom>
+        </p:spPr>
+      </p:pic>
+      <p:pic>
+        <p:nvPicPr>
+          <p:cNvPr id="5" name="Picture 4">
+            <a:extLst>
+              <a:ext uri="{FF2B5EF4-FFF2-40B4-BE49-F238E27FC236}">
+                <a16:creationId xmlns:a16="http://schemas.microsoft.com/office/drawing/2014/main" id="{41637961-7401-4EAA-9D29-3E0AA568783E}"/>
+              </a:ext>
+            </a:extLst>
+          </p:cNvPr>
+          <p:cNvPicPr>
+            <a:picLocks noChangeAspect="1"/>
+          </p:cNvPicPr>
+          <p:nvPr/>
+        </p:nvPicPr>
+        <p:blipFill rotWithShape="1">
+          <a:blip r:embed="rId3"/>
+          <a:srcRect t="6062"/>
+          <a:stretch/>
+        </p:blipFill>
+        <p:spPr>
+          <a:xfrm>
+            <a:off x="6699738" y="3492466"/>
+            <a:ext cx="5398673" cy="2915744"/>
+          </a:xfrm>
+          <a:prstGeom prst="rect">
+            <a:avLst/>
+          </a:prstGeom>
+        </p:spPr>
+      </p:pic>
     </p:spTree>
     <p:extLst>
       <p:ext uri="{BB962C8B-B14F-4D97-AF65-F5344CB8AC3E}">
@@ -13369,7 +13330,12 @@
             <p:ph idx="1"/>
           </p:nvPr>
         </p:nvSpPr>
-        <p:spPr/>
+        <p:spPr>
+          <a:xfrm>
+            <a:off x="1141412" y="2249487"/>
+            <a:ext cx="9905999" cy="2923646"/>
+          </a:xfrm>
+        </p:spPr>
         <p:txBody>
           <a:bodyPr>
             <a:normAutofit fontScale="85000" lnSpcReduction="10000"/>
@@ -13404,17 +13370,40 @@
           <a:p>
             <a:r>
               <a:rPr lang="en-US" dirty="0"/>
-              <a:t>Payments, Budgets, and Expenses can be updated from their individual selection controls</a:t>
-            </a:r>
-          </a:p>
-          <a:p>
-            <a:r>
-              <a:rPr lang="en-US" dirty="0"/>
-              <a:t>Payments, Budgets, and Expenses Can also be deleted from their individual selection controls</a:t>
+              <a:t>Payments, Budgets, and Expenses can be updated or deleted from their individual selection controls</a:t>
             </a:r>
           </a:p>
         </p:txBody>
       </p:sp>
+      <p:pic>
+        <p:nvPicPr>
+          <p:cNvPr id="4" name="Picture 3">
+            <a:extLst>
+              <a:ext uri="{FF2B5EF4-FFF2-40B4-BE49-F238E27FC236}">
+                <a16:creationId xmlns:a16="http://schemas.microsoft.com/office/drawing/2014/main" id="{E0AF9B04-1B4D-4903-8D53-C08BA1757B82}"/>
+              </a:ext>
+            </a:extLst>
+          </p:cNvPr>
+          <p:cNvPicPr>
+            <a:picLocks noChangeAspect="1"/>
+          </p:cNvPicPr>
+          <p:nvPr/>
+        </p:nvPicPr>
+        <p:blipFill rotWithShape="1">
+          <a:blip r:embed="rId2"/>
+          <a:srcRect l="3056" t="23254" r="34165" b="54251"/>
+          <a:stretch/>
+        </p:blipFill>
+        <p:spPr>
+          <a:xfrm>
+            <a:off x="1413931" y="4765409"/>
+            <a:ext cx="7653867" cy="1120246"/>
+          </a:xfrm>
+          <a:prstGeom prst="rect">
+            <a:avLst/>
+          </a:prstGeom>
+        </p:spPr>
+      </p:pic>
     </p:spTree>
     <p:extLst>
       <p:ext uri="{BB962C8B-B14F-4D97-AF65-F5344CB8AC3E}">
@@ -13481,33 +13470,68 @@
           </a:p>
         </p:txBody>
       </p:sp>
-      <p:sp>
-        <p:nvSpPr>
-          <p:cNvPr id="3" name="Content Placeholder 2">
+      <p:pic>
+        <p:nvPicPr>
+          <p:cNvPr id="4" name="Picture 3">
             <a:extLst>
               <a:ext uri="{FF2B5EF4-FFF2-40B4-BE49-F238E27FC236}">
-                <a16:creationId xmlns:a16="http://schemas.microsoft.com/office/drawing/2014/main" id="{553AE0CB-9ACD-491C-973A-6C919F6516D3}"/>
+                <a16:creationId xmlns:a16="http://schemas.microsoft.com/office/drawing/2014/main" id="{85CD286D-C335-4CFC-889B-0C2102AB1B7D}"/>
               </a:ext>
             </a:extLst>
           </p:cNvPr>
-          <p:cNvSpPr>
-            <a:spLocks noGrp="1"/>
-          </p:cNvSpPr>
-          <p:nvPr>
-            <p:ph idx="1"/>
-          </p:nvPr>
+          <p:cNvPicPr>
+            <a:picLocks noChangeAspect="1"/>
+          </p:cNvPicPr>
+          <p:nvPr/>
+        </p:nvPicPr>
+        <p:blipFill rotWithShape="1">
+          <a:blip r:embed="rId2"/>
+          <a:srcRect t="6577"/>
+          <a:stretch/>
+        </p:blipFill>
+        <p:spPr>
+          <a:xfrm>
+            <a:off x="1212443" y="1206284"/>
+            <a:ext cx="9763938" cy="4711916"/>
+          </a:xfrm>
+          <a:prstGeom prst="rect">
+            <a:avLst/>
+          </a:prstGeom>
+        </p:spPr>
+      </p:pic>
+      <p:sp>
+        <p:nvSpPr>
+          <p:cNvPr id="5" name="TextBox 4">
+            <a:extLst>
+              <a:ext uri="{FF2B5EF4-FFF2-40B4-BE49-F238E27FC236}">
+                <a16:creationId xmlns:a16="http://schemas.microsoft.com/office/drawing/2014/main" id="{2B8DE533-7C92-4E76-A9F4-8221BC5DC40A}"/>
+              </a:ext>
+            </a:extLst>
+          </p:cNvPr>
+          <p:cNvSpPr txBox="1"/>
+          <p:nvPr/>
         </p:nvSpPr>
         <p:spPr>
           <a:xfrm>
-            <a:off x="1037961" y="1202267"/>
-            <a:ext cx="10116078" cy="4834466"/>
+            <a:off x="3579392" y="5918200"/>
+            <a:ext cx="5030039" cy="369332"/>
           </a:xfrm>
+          <a:prstGeom prst="rect">
+            <a:avLst/>
+          </a:prstGeom>
+          <a:noFill/>
         </p:spPr>
         <p:txBody>
-          <a:bodyPr/>
+          <a:bodyPr wrap="square" rtlCol="0">
+            <a:spAutoFit/>
+          </a:bodyPr>
           <a:lstStyle/>
           <a:p>
-            <a:endParaRPr lang="en-US" dirty="0"/>
+            <a:pPr algn="ctr"/>
+            <a:r>
+              <a:rPr lang="en-US" dirty="0"/>
+              <a:t>Default Landing Page</a:t>
+            </a:r>
           </a:p>
         </p:txBody>
       </p:sp>
@@ -13557,15 +13581,10 @@
             <p:ph type="title"/>
           </p:nvPr>
         </p:nvSpPr>
-        <p:spPr>
-          <a:xfrm>
-            <a:off x="1141413" y="618518"/>
-            <a:ext cx="9905998" cy="583749"/>
-          </a:xfrm>
-        </p:spPr>
+        <p:spPr/>
         <p:txBody>
           <a:bodyPr>
-            <a:normAutofit fontScale="90000"/>
+            <a:normAutofit/>
           </a:bodyPr>
           <a:lstStyle/>
           <a:p>
@@ -13577,33 +13596,169 @@
           </a:p>
         </p:txBody>
       </p:sp>
-      <p:sp>
-        <p:nvSpPr>
-          <p:cNvPr id="3" name="Content Placeholder 2">
+      <p:pic>
+        <p:nvPicPr>
+          <p:cNvPr id="1028" name="Picture 4">
             <a:extLst>
               <a:ext uri="{FF2B5EF4-FFF2-40B4-BE49-F238E27FC236}">
-                <a16:creationId xmlns:a16="http://schemas.microsoft.com/office/drawing/2014/main" id="{553AE0CB-9ACD-491C-973A-6C919F6516D3}"/>
+                <a16:creationId xmlns:a16="http://schemas.microsoft.com/office/drawing/2014/main" id="{E0514B86-75BD-4A1E-AABC-48C9D4C3680A}"/>
               </a:ext>
             </a:extLst>
           </p:cNvPr>
-          <p:cNvSpPr>
-            <a:spLocks noGrp="1"/>
-          </p:cNvSpPr>
+          <p:cNvPicPr>
+            <a:picLocks noGrp="1" noChangeAspect="1" noChangeArrowheads="1"/>
+          </p:cNvPicPr>
           <p:nvPr>
-            <p:ph idx="1"/>
+            <p:ph sz="half" idx="1"/>
           </p:nvPr>
+        </p:nvPicPr>
+        <p:blipFill rotWithShape="1">
+          <a:blip r:embed="rId2">
+            <a:extLst>
+              <a:ext uri="{28A0092B-C50C-407E-A947-70E740481C1C}">
+                <a14:useLocalDpi xmlns:a14="http://schemas.microsoft.com/office/drawing/2010/main" val="0"/>
+              </a:ext>
+            </a:extLst>
+          </a:blip>
+          <a:srcRect t="4813"/>
+          <a:stretch/>
+        </p:blipFill>
+        <p:spPr bwMode="auto">
+          <a:xfrm>
+            <a:off x="1064373" y="2249486"/>
+            <a:ext cx="5030039" cy="3123352"/>
+          </a:xfrm>
+          <a:prstGeom prst="rect">
+            <a:avLst/>
+          </a:prstGeom>
+          <a:noFill/>
+          <a:extLst>
+            <a:ext uri="{909E8E84-426E-40DD-AFC4-6F175D3DCCD1}">
+              <a14:hiddenFill xmlns:a14="http://schemas.microsoft.com/office/drawing/2010/main">
+                <a:solidFill>
+                  <a:srgbClr val="FFFFFF"/>
+                </a:solidFill>
+              </a14:hiddenFill>
+            </a:ext>
+          </a:extLst>
+        </p:spPr>
+      </p:pic>
+      <p:pic>
+        <p:nvPicPr>
+          <p:cNvPr id="1030" name="Picture 6">
+            <a:extLst>
+              <a:ext uri="{FF2B5EF4-FFF2-40B4-BE49-F238E27FC236}">
+                <a16:creationId xmlns:a16="http://schemas.microsoft.com/office/drawing/2014/main" id="{6C0F704E-0C38-45B1-9516-3D80D8FFF7F7}"/>
+              </a:ext>
+            </a:extLst>
+          </p:cNvPr>
+          <p:cNvPicPr>
+            <a:picLocks noGrp="1" noChangeAspect="1" noChangeArrowheads="1"/>
+          </p:cNvPicPr>
+          <p:nvPr>
+            <p:ph sz="half" idx="2"/>
+          </p:nvPr>
+        </p:nvPicPr>
+        <p:blipFill rotWithShape="1">
+          <a:blip r:embed="rId3">
+            <a:extLst>
+              <a:ext uri="{28A0092B-C50C-407E-A947-70E740481C1C}">
+                <a14:useLocalDpi xmlns:a14="http://schemas.microsoft.com/office/drawing/2010/main" val="0"/>
+              </a:ext>
+            </a:extLst>
+          </a:blip>
+          <a:srcRect t="4975"/>
+          <a:stretch/>
+        </p:blipFill>
+        <p:spPr bwMode="auto">
+          <a:xfrm>
+            <a:off x="6172198" y="2249486"/>
+            <a:ext cx="4875213" cy="3123352"/>
+          </a:xfrm>
+          <a:prstGeom prst="rect">
+            <a:avLst/>
+          </a:prstGeom>
+          <a:noFill/>
+          <a:extLst>
+            <a:ext uri="{909E8E84-426E-40DD-AFC4-6F175D3DCCD1}">
+              <a14:hiddenFill xmlns:a14="http://schemas.microsoft.com/office/drawing/2010/main">
+                <a:solidFill>
+                  <a:srgbClr val="FFFFFF"/>
+                </a:solidFill>
+              </a14:hiddenFill>
+            </a:ext>
+          </a:extLst>
+        </p:spPr>
+      </p:pic>
+      <p:sp>
+        <p:nvSpPr>
+          <p:cNvPr id="9" name="TextBox 8">
+            <a:extLst>
+              <a:ext uri="{FF2B5EF4-FFF2-40B4-BE49-F238E27FC236}">
+                <a16:creationId xmlns:a16="http://schemas.microsoft.com/office/drawing/2014/main" id="{D1084DF7-7D6A-4B03-9B1F-BD00406EAF48}"/>
+              </a:ext>
+            </a:extLst>
+          </p:cNvPr>
+          <p:cNvSpPr txBox="1"/>
+          <p:nvPr/>
         </p:nvSpPr>
         <p:spPr>
           <a:xfrm>
-            <a:off x="1037961" y="1202267"/>
-            <a:ext cx="10116078" cy="4834466"/>
+            <a:off x="1064373" y="5372838"/>
+            <a:ext cx="5030039" cy="369332"/>
           </a:xfrm>
+          <a:prstGeom prst="rect">
+            <a:avLst/>
+          </a:prstGeom>
+          <a:noFill/>
         </p:spPr>
         <p:txBody>
-          <a:bodyPr/>
+          <a:bodyPr wrap="square" rtlCol="0">
+            <a:spAutoFit/>
+          </a:bodyPr>
           <a:lstStyle/>
           <a:p>
-            <a:endParaRPr lang="en-US" dirty="0"/>
+            <a:pPr algn="ctr"/>
+            <a:r>
+              <a:rPr lang="en-US" dirty="0"/>
+              <a:t>Empty Budget Creation Window</a:t>
+            </a:r>
+          </a:p>
+        </p:txBody>
+      </p:sp>
+      <p:sp>
+        <p:nvSpPr>
+          <p:cNvPr id="14" name="TextBox 13">
+            <a:extLst>
+              <a:ext uri="{FF2B5EF4-FFF2-40B4-BE49-F238E27FC236}">
+                <a16:creationId xmlns:a16="http://schemas.microsoft.com/office/drawing/2014/main" id="{211093CC-90E1-4A98-8763-F65AF0BD72E6}"/>
+              </a:ext>
+            </a:extLst>
+          </p:cNvPr>
+          <p:cNvSpPr txBox="1"/>
+          <p:nvPr/>
+        </p:nvSpPr>
+        <p:spPr>
+          <a:xfrm>
+            <a:off x="6172198" y="5376209"/>
+            <a:ext cx="4875213" cy="369332"/>
+          </a:xfrm>
+          <a:prstGeom prst="rect">
+            <a:avLst/>
+          </a:prstGeom>
+          <a:noFill/>
+        </p:spPr>
+        <p:txBody>
+          <a:bodyPr wrap="square" rtlCol="0">
+            <a:spAutoFit/>
+          </a:bodyPr>
+          <a:lstStyle/>
+          <a:p>
+            <a:pPr algn="ctr"/>
+            <a:r>
+              <a:rPr lang="en-US" dirty="0"/>
+              <a:t>Filled Payment Creation Window with Dropdown</a:t>
+            </a:r>
           </a:p>
         </p:txBody>
       </p:sp>
@@ -13668,38 +13823,166 @@
             <a:pPr algn="ctr"/>
             <a:r>
               <a:rPr lang="en-US" dirty="0"/>
-              <a:t>modification</a:t>
+              <a:t>Modification and Deletion</a:t>
             </a:r>
           </a:p>
         </p:txBody>
       </p:sp>
-      <p:sp>
-        <p:nvSpPr>
-          <p:cNvPr id="3" name="Content Placeholder 2">
+      <p:pic>
+        <p:nvPicPr>
+          <p:cNvPr id="2050" name="Picture 2">
             <a:extLst>
               <a:ext uri="{FF2B5EF4-FFF2-40B4-BE49-F238E27FC236}">
-                <a16:creationId xmlns:a16="http://schemas.microsoft.com/office/drawing/2014/main" id="{553AE0CB-9ACD-491C-973A-6C919F6516D3}"/>
+                <a16:creationId xmlns:a16="http://schemas.microsoft.com/office/drawing/2014/main" id="{3415E444-6A41-4B75-AEED-D2F6E19763A1}"/>
               </a:ext>
             </a:extLst>
           </p:cNvPr>
-          <p:cNvSpPr>
-            <a:spLocks noGrp="1"/>
-          </p:cNvSpPr>
+          <p:cNvPicPr>
+            <a:picLocks noGrp="1" noChangeAspect="1" noChangeArrowheads="1"/>
+          </p:cNvPicPr>
           <p:nvPr>
             <p:ph idx="1"/>
           </p:nvPr>
+        </p:nvPicPr>
+        <p:blipFill rotWithShape="1">
+          <a:blip r:embed="rId2"/>
+          <a:srcRect t="4804"/>
+          <a:stretch/>
+        </p:blipFill>
+        <p:spPr bwMode="auto">
+          <a:xfrm>
+            <a:off x="915940" y="1532466"/>
+            <a:ext cx="5855240" cy="3610691"/>
+          </a:xfrm>
+          <a:prstGeom prst="rect">
+            <a:avLst/>
+          </a:prstGeom>
+          <a:noFill/>
+          <a:extLst>
+            <a:ext uri="{909E8E84-426E-40DD-AFC4-6F175D3DCCD1}">
+              <a14:hiddenFill xmlns:a14="http://schemas.microsoft.com/office/drawing/2010/main">
+                <a:solidFill>
+                  <a:srgbClr val="FFFFFF"/>
+                </a:solidFill>
+              </a14:hiddenFill>
+            </a:ext>
+          </a:extLst>
+        </p:spPr>
+      </p:pic>
+      <p:sp>
+        <p:nvSpPr>
+          <p:cNvPr id="5" name="TextBox 4">
+            <a:extLst>
+              <a:ext uri="{FF2B5EF4-FFF2-40B4-BE49-F238E27FC236}">
+                <a16:creationId xmlns:a16="http://schemas.microsoft.com/office/drawing/2014/main" id="{C5DC6364-E9FA-41FE-83F6-E20E6413C4CB}"/>
+              </a:ext>
+            </a:extLst>
+          </p:cNvPr>
+          <p:cNvSpPr txBox="1"/>
+          <p:nvPr/>
         </p:nvSpPr>
         <p:spPr>
           <a:xfrm>
-            <a:off x="1037961" y="1202267"/>
-            <a:ext cx="10116078" cy="4834466"/>
+            <a:off x="2222987" y="5143157"/>
+            <a:ext cx="3241145" cy="369332"/>
           </a:xfrm>
+          <a:prstGeom prst="rect">
+            <a:avLst/>
+          </a:prstGeom>
+          <a:noFill/>
         </p:spPr>
         <p:txBody>
-          <a:bodyPr/>
+          <a:bodyPr wrap="square" rtlCol="0">
+            <a:spAutoFit/>
+          </a:bodyPr>
           <a:lstStyle/>
           <a:p>
-            <a:endParaRPr lang="en-US" dirty="0"/>
+            <a:pPr algn="ctr"/>
+            <a:r>
+              <a:rPr lang="en-US" dirty="0"/>
+              <a:t>Budget Update Window</a:t>
+            </a:r>
+          </a:p>
+        </p:txBody>
+      </p:sp>
+      <p:pic>
+        <p:nvPicPr>
+          <p:cNvPr id="2052" name="Picture 4">
+            <a:extLst>
+              <a:ext uri="{FF2B5EF4-FFF2-40B4-BE49-F238E27FC236}">
+                <a16:creationId xmlns:a16="http://schemas.microsoft.com/office/drawing/2014/main" id="{E130153C-D905-4EB3-9FB7-64EA02777333}"/>
+              </a:ext>
+            </a:extLst>
+          </p:cNvPr>
+          <p:cNvPicPr>
+            <a:picLocks noChangeAspect="1" noChangeArrowheads="1"/>
+          </p:cNvPicPr>
+          <p:nvPr/>
+        </p:nvPicPr>
+        <p:blipFill rotWithShape="1">
+          <a:blip r:embed="rId3">
+            <a:extLst>
+              <a:ext uri="{28A0092B-C50C-407E-A947-70E740481C1C}">
+                <a14:useLocalDpi xmlns:a14="http://schemas.microsoft.com/office/drawing/2010/main" val="0"/>
+              </a:ext>
+            </a:extLst>
+          </a:blip>
+          <a:srcRect t="10091"/>
+          <a:stretch/>
+        </p:blipFill>
+        <p:spPr bwMode="auto">
+          <a:xfrm>
+            <a:off x="6803201" y="2616737"/>
+            <a:ext cx="4719932" cy="1624525"/>
+          </a:xfrm>
+          <a:prstGeom prst="rect">
+            <a:avLst/>
+          </a:prstGeom>
+          <a:noFill/>
+          <a:extLst>
+            <a:ext uri="{909E8E84-426E-40DD-AFC4-6F175D3DCCD1}">
+              <a14:hiddenFill xmlns:a14="http://schemas.microsoft.com/office/drawing/2010/main">
+                <a:solidFill>
+                  <a:srgbClr val="FFFFFF"/>
+                </a:solidFill>
+              </a14:hiddenFill>
+            </a:ext>
+          </a:extLst>
+        </p:spPr>
+      </p:pic>
+      <p:sp>
+        <p:nvSpPr>
+          <p:cNvPr id="8" name="TextBox 7">
+            <a:extLst>
+              <a:ext uri="{FF2B5EF4-FFF2-40B4-BE49-F238E27FC236}">
+                <a16:creationId xmlns:a16="http://schemas.microsoft.com/office/drawing/2014/main" id="{DEE4A40D-42E5-42B1-A3FE-5EAE3F2F80B0}"/>
+              </a:ext>
+            </a:extLst>
+          </p:cNvPr>
+          <p:cNvSpPr txBox="1"/>
+          <p:nvPr/>
+        </p:nvSpPr>
+        <p:spPr>
+          <a:xfrm>
+            <a:off x="7542594" y="4233484"/>
+            <a:ext cx="3241145" cy="369332"/>
+          </a:xfrm>
+          <a:prstGeom prst="rect">
+            <a:avLst/>
+          </a:prstGeom>
+          <a:noFill/>
+        </p:spPr>
+        <p:txBody>
+          <a:bodyPr wrap="square" rtlCol="0">
+            <a:spAutoFit/>
+          </a:bodyPr>
+          <a:lstStyle/>
+          <a:p>
+            <a:pPr algn="ctr"/>
+            <a:r>
+              <a:rPr lang="en-US" dirty="0"/>
+              <a:t>Deletion Confirmation </a:t>
+            </a:r>
           </a:p>
         </p:txBody>
       </p:sp>
